--- a/卒業論文梗概/Document/Abstract_Comparison.pptx
+++ b/卒業論文梗概/Document/Abstract_Comparison.pptx
@@ -104,11 +104,6 @@
       </a:defRPr>
     </a:lvl9pPr>
   </p:defaultTextStyle>
-  <p:extLst>
-    <p:ext uri="{EFAFB233-063F-42B5-8137-9DF3F51BA10A}">
-      <p15:sldGuideLst xmlns:p15="http://schemas.microsoft.com/office/powerpoint/2012/main"/>
-    </p:ext>
-  </p:extLst>
 </p:presentation>
 </file>
 
@@ -146,7 +141,7 @@
               </a:defRPr>
             </a:pPr>
             <a:r>
-              <a:rPr lang="ja-JP" altLang="en-US" sz="2400" dirty="0"/>
+              <a:rPr lang="ja-JP" altLang="en-US" sz="2400"/>
               <a:t>３セグメント５インスタンス構成におけるテンプレートファイル作成所要時間</a:t>
             </a:r>
           </a:p>
@@ -184,17 +179,7 @@
     </c:title>
     <c:autoTitleDeleted val="0"/>
     <c:plotArea>
-      <c:layout>
-        <c:manualLayout>
-          <c:layoutTarget val="inner"/>
-          <c:xMode val="edge"/>
-          <c:yMode val="edge"/>
-          <c:x val="9.2062535446271021E-2"/>
-          <c:y val="9.5595184573834466E-2"/>
-          <c:w val="0.88955474878051666"/>
-          <c:h val="0.74011293641235332"/>
-        </c:manualLayout>
-      </c:layout>
+      <c:layout/>
       <c:barChart>
         <c:barDir val="col"/>
         <c:grouping val="clustered"/>
@@ -286,7 +271,7 @@
             </c:strRef>
           </c:tx>
           <c:spPr>
-            <a:pattFill prst="dkUpDiag">
+            <a:pattFill prst="wdDnDiag">
               <a:fgClr>
                 <a:schemeClr val="accent2"/>
               </a:fgClr>
@@ -360,11 +345,11 @@
         </c:dLbls>
         <c:gapWidth val="219"/>
         <c:overlap val="-27"/>
-        <c:axId val="-1268972064"/>
-        <c:axId val="-1268965536"/>
+        <c:axId val="-1548975888"/>
+        <c:axId val="-1425448016"/>
       </c:barChart>
       <c:catAx>
-        <c:axId val="-1268972064"/>
+        <c:axId val="-1548975888"/>
         <c:scaling>
           <c:orientation val="minMax"/>
         </c:scaling>
@@ -377,7 +362,7 @@
               <a:lstStyle/>
               <a:p>
                 <a:pPr>
-                  <a:defRPr sz="1800" b="0" i="0" u="none" strike="noStrike" kern="1200" baseline="0">
+                  <a:defRPr sz="2400" b="0" i="0" u="none" strike="noStrike" kern="1200" baseline="0">
                     <a:solidFill>
                       <a:schemeClr val="tx1">
                         <a:lumMod val="65000"/>
@@ -390,20 +375,13 @@
                   </a:defRPr>
                 </a:pPr>
                 <a:r>
-                  <a:rPr lang="ja-JP" altLang="en-US" sz="1800"/>
+                  <a:rPr lang="ja-JP" altLang="en-US" sz="2400"/>
                   <a:t>被験者</a:t>
                 </a:r>
               </a:p>
             </c:rich>
           </c:tx>
-          <c:layout>
-            <c:manualLayout>
-              <c:xMode val="edge"/>
-              <c:yMode val="edge"/>
-              <c:x val="0.50246481299212598"/>
-              <c:y val="0.90613094196558763"/>
-            </c:manualLayout>
-          </c:layout>
+          <c:layout/>
           <c:overlay val="0"/>
           <c:spPr>
             <a:noFill/>
@@ -417,7 +395,7 @@
             <a:lstStyle/>
             <a:p>
               <a:pPr>
-                <a:defRPr sz="1800" b="0" i="0" u="none" strike="noStrike" kern="1200" baseline="0">
+                <a:defRPr sz="2400" b="0" i="0" u="none" strike="noStrike" kern="1200" baseline="0">
                   <a:solidFill>
                     <a:schemeClr val="tx1">
                       <a:lumMod val="65000"/>
@@ -470,7 +448,7 @@
             <a:endParaRPr lang="ja-JP"/>
           </a:p>
         </c:txPr>
-        <c:crossAx val="-1268965536"/>
+        <c:crossAx val="-1425448016"/>
         <c:crosses val="autoZero"/>
         <c:auto val="1"/>
         <c:lblAlgn val="ctr"/>
@@ -478,7 +456,7 @@
         <c:noMultiLvlLbl val="0"/>
       </c:catAx>
       <c:valAx>
-        <c:axId val="-1268965536"/>
+        <c:axId val="-1425448016"/>
         <c:scaling>
           <c:orientation val="minMax"/>
         </c:scaling>
@@ -505,7 +483,7 @@
               <a:lstStyle/>
               <a:p>
                 <a:pPr>
-                  <a:defRPr sz="2000" b="0" i="0" u="none" strike="noStrike" kern="1200" baseline="0">
+                  <a:defRPr sz="2400" b="0" i="0" u="none" strike="noStrike" kern="1200" baseline="0">
                     <a:solidFill>
                       <a:schemeClr val="tx1">
                         <a:lumMod val="65000"/>
@@ -518,22 +496,22 @@
                   </a:defRPr>
                 </a:pPr>
                 <a:r>
-                  <a:rPr lang="ja-JP" altLang="en-US" sz="2000"/>
+                  <a:rPr lang="ja-JP" altLang="en-US" sz="2400"/>
                   <a:t>テンプレートファイル作成所要時間</a:t>
                 </a:r>
                 <a:r>
-                  <a:rPr lang="en-US" altLang="ja-JP" sz="2000"/>
+                  <a:rPr lang="en-US" altLang="ja-JP" sz="2400"/>
                   <a:t>(</a:t>
                 </a:r>
                 <a:r>
-                  <a:rPr lang="ja-JP" altLang="en-US" sz="2000"/>
+                  <a:rPr lang="ja-JP" altLang="en-US" sz="2400"/>
                   <a:t>秒</a:t>
                 </a:r>
                 <a:r>
-                  <a:rPr lang="en-US" altLang="ja-JP" sz="2000"/>
+                  <a:rPr lang="en-US" altLang="ja-JP" sz="2400"/>
                   <a:t>)</a:t>
                 </a:r>
-                <a:endParaRPr lang="ja-JP" altLang="en-US" sz="2000"/>
+                <a:endParaRPr lang="ja-JP" altLang="en-US" sz="2400"/>
               </a:p>
             </c:rich>
           </c:tx>
@@ -551,7 +529,7 @@
             <a:lstStyle/>
             <a:p>
               <a:pPr>
-                <a:defRPr sz="2000" b="0" i="0" u="none" strike="noStrike" kern="1200" baseline="0">
+                <a:defRPr sz="2400" b="0" i="0" u="none" strike="noStrike" kern="1200" baseline="0">
                   <a:solidFill>
                     <a:schemeClr val="tx1">
                       <a:lumMod val="65000"/>
@@ -583,7 +561,7 @@
           <a:lstStyle/>
           <a:p>
             <a:pPr>
-              <a:defRPr sz="2000" b="0" i="0" u="none" strike="noStrike" kern="1200" baseline="0">
+              <a:defRPr sz="2400" b="0" i="0" u="none" strike="noStrike" kern="1200" baseline="0">
                 <a:solidFill>
                   <a:schemeClr val="tx1">
                     <a:lumMod val="65000"/>
@@ -598,7 +576,7 @@
             <a:endParaRPr lang="ja-JP"/>
           </a:p>
         </c:txPr>
-        <c:crossAx val="-1268972064"/>
+        <c:crossAx val="-1548975888"/>
         <c:crosses val="autoZero"/>
         <c:crossBetween val="between"/>
       </c:valAx>
@@ -626,7 +604,7 @@
         <a:lstStyle/>
         <a:p>
           <a:pPr>
-            <a:defRPr sz="1600" b="0" i="0" u="none" strike="noStrike" kern="1200" baseline="0">
+            <a:defRPr sz="2400" b="0" i="0" u="none" strike="noStrike" kern="1200" baseline="0">
               <a:solidFill>
                 <a:schemeClr val="tx1">
                   <a:lumMod val="65000"/>
@@ -1341,9 +1319,9 @@
           <a:bodyPr/>
           <a:lstStyle/>
           <a:p>
-            <a:fld id="{C02A663E-AC1D-43EE-8CFC-62C3D789F425}" type="datetimeFigureOut">
-              <a:rPr kumimoji="1" lang="ja-JP" altLang="en-US" smtClean="0"/>
-              <a:t>2016/1/25</a:t>
+            <a:fld id="{0718A8F7-65EE-4286-B036-D87ABE068129}" type="datetimeFigureOut">
+              <a:rPr kumimoji="1" lang="ja-JP" altLang="en-US" smtClean="0"/>
+              <a:t>2016/1/28</a:t>
             </a:fld>
             <a:endParaRPr kumimoji="1" lang="ja-JP" altLang="en-US"/>
           </a:p>
@@ -1383,7 +1361,7 @@
           <a:bodyPr/>
           <a:lstStyle/>
           <a:p>
-            <a:fld id="{1252AB52-96DE-4A1D-81DE-A6380CB4662E}" type="slidenum">
+            <a:fld id="{89AC398B-08EA-40EF-B2ED-6B3D9DC34397}" type="slidenum">
               <a:rPr kumimoji="1" lang="ja-JP" altLang="en-US" smtClean="0"/>
               <a:t>‹#›</a:t>
             </a:fld>
@@ -1394,7 +1372,7 @@
     </p:spTree>
     <p:extLst>
       <p:ext uri="{BB962C8B-B14F-4D97-AF65-F5344CB8AC3E}">
-        <p14:creationId xmlns:p14="http://schemas.microsoft.com/office/powerpoint/2010/main" val="3162923231"/>
+        <p14:creationId xmlns:p14="http://schemas.microsoft.com/office/powerpoint/2010/main" val="393434737"/>
       </p:ext>
     </p:extLst>
   </p:cSld>
@@ -1543,9 +1521,9 @@
           <a:bodyPr/>
           <a:lstStyle/>
           <a:p>
-            <a:fld id="{C02A663E-AC1D-43EE-8CFC-62C3D789F425}" type="datetimeFigureOut">
-              <a:rPr kumimoji="1" lang="ja-JP" altLang="en-US" smtClean="0"/>
-              <a:t>2016/1/25</a:t>
+            <a:fld id="{0718A8F7-65EE-4286-B036-D87ABE068129}" type="datetimeFigureOut">
+              <a:rPr kumimoji="1" lang="ja-JP" altLang="en-US" smtClean="0"/>
+              <a:t>2016/1/28</a:t>
             </a:fld>
             <a:endParaRPr kumimoji="1" lang="ja-JP" altLang="en-US"/>
           </a:p>
@@ -1585,7 +1563,7 @@
           <a:bodyPr/>
           <a:lstStyle/>
           <a:p>
-            <a:fld id="{1252AB52-96DE-4A1D-81DE-A6380CB4662E}" type="slidenum">
+            <a:fld id="{89AC398B-08EA-40EF-B2ED-6B3D9DC34397}" type="slidenum">
               <a:rPr kumimoji="1" lang="ja-JP" altLang="en-US" smtClean="0"/>
               <a:t>‹#›</a:t>
             </a:fld>
@@ -1596,7 +1574,7 @@
     </p:spTree>
     <p:extLst>
       <p:ext uri="{BB962C8B-B14F-4D97-AF65-F5344CB8AC3E}">
-        <p14:creationId xmlns:p14="http://schemas.microsoft.com/office/powerpoint/2010/main" val="2892141229"/>
+        <p14:creationId xmlns:p14="http://schemas.microsoft.com/office/powerpoint/2010/main" val="2893579639"/>
       </p:ext>
     </p:extLst>
   </p:cSld>
@@ -1755,9 +1733,9 @@
           <a:bodyPr/>
           <a:lstStyle/>
           <a:p>
-            <a:fld id="{C02A663E-AC1D-43EE-8CFC-62C3D789F425}" type="datetimeFigureOut">
-              <a:rPr kumimoji="1" lang="ja-JP" altLang="en-US" smtClean="0"/>
-              <a:t>2016/1/25</a:t>
+            <a:fld id="{0718A8F7-65EE-4286-B036-D87ABE068129}" type="datetimeFigureOut">
+              <a:rPr kumimoji="1" lang="ja-JP" altLang="en-US" smtClean="0"/>
+              <a:t>2016/1/28</a:t>
             </a:fld>
             <a:endParaRPr kumimoji="1" lang="ja-JP" altLang="en-US"/>
           </a:p>
@@ -1797,7 +1775,7 @@
           <a:bodyPr/>
           <a:lstStyle/>
           <a:p>
-            <a:fld id="{1252AB52-96DE-4A1D-81DE-A6380CB4662E}" type="slidenum">
+            <a:fld id="{89AC398B-08EA-40EF-B2ED-6B3D9DC34397}" type="slidenum">
               <a:rPr kumimoji="1" lang="ja-JP" altLang="en-US" smtClean="0"/>
               <a:t>‹#›</a:t>
             </a:fld>
@@ -1808,7 +1786,7 @@
     </p:spTree>
     <p:extLst>
       <p:ext uri="{BB962C8B-B14F-4D97-AF65-F5344CB8AC3E}">
-        <p14:creationId xmlns:p14="http://schemas.microsoft.com/office/powerpoint/2010/main" val="2035351975"/>
+        <p14:creationId xmlns:p14="http://schemas.microsoft.com/office/powerpoint/2010/main" val="4072070747"/>
       </p:ext>
     </p:extLst>
   </p:cSld>
@@ -1957,9 +1935,9 @@
           <a:bodyPr/>
           <a:lstStyle/>
           <a:p>
-            <a:fld id="{C02A663E-AC1D-43EE-8CFC-62C3D789F425}" type="datetimeFigureOut">
-              <a:rPr kumimoji="1" lang="ja-JP" altLang="en-US" smtClean="0"/>
-              <a:t>2016/1/25</a:t>
+            <a:fld id="{0718A8F7-65EE-4286-B036-D87ABE068129}" type="datetimeFigureOut">
+              <a:rPr kumimoji="1" lang="ja-JP" altLang="en-US" smtClean="0"/>
+              <a:t>2016/1/28</a:t>
             </a:fld>
             <a:endParaRPr kumimoji="1" lang="ja-JP" altLang="en-US"/>
           </a:p>
@@ -1999,7 +1977,7 @@
           <a:bodyPr/>
           <a:lstStyle/>
           <a:p>
-            <a:fld id="{1252AB52-96DE-4A1D-81DE-A6380CB4662E}" type="slidenum">
+            <a:fld id="{89AC398B-08EA-40EF-B2ED-6B3D9DC34397}" type="slidenum">
               <a:rPr kumimoji="1" lang="ja-JP" altLang="en-US" smtClean="0"/>
               <a:t>‹#›</a:t>
             </a:fld>
@@ -2010,7 +1988,7 @@
     </p:spTree>
     <p:extLst>
       <p:ext uri="{BB962C8B-B14F-4D97-AF65-F5344CB8AC3E}">
-        <p14:creationId xmlns:p14="http://schemas.microsoft.com/office/powerpoint/2010/main" val="4137785297"/>
+        <p14:creationId xmlns:p14="http://schemas.microsoft.com/office/powerpoint/2010/main" val="3135148"/>
       </p:ext>
     </p:extLst>
   </p:cSld>
@@ -2203,9 +2181,9 @@
           <a:bodyPr/>
           <a:lstStyle/>
           <a:p>
-            <a:fld id="{C02A663E-AC1D-43EE-8CFC-62C3D789F425}" type="datetimeFigureOut">
-              <a:rPr kumimoji="1" lang="ja-JP" altLang="en-US" smtClean="0"/>
-              <a:t>2016/1/25</a:t>
+            <a:fld id="{0718A8F7-65EE-4286-B036-D87ABE068129}" type="datetimeFigureOut">
+              <a:rPr kumimoji="1" lang="ja-JP" altLang="en-US" smtClean="0"/>
+              <a:t>2016/1/28</a:t>
             </a:fld>
             <a:endParaRPr kumimoji="1" lang="ja-JP" altLang="en-US"/>
           </a:p>
@@ -2245,7 +2223,7 @@
           <a:bodyPr/>
           <a:lstStyle/>
           <a:p>
-            <a:fld id="{1252AB52-96DE-4A1D-81DE-A6380CB4662E}" type="slidenum">
+            <a:fld id="{89AC398B-08EA-40EF-B2ED-6B3D9DC34397}" type="slidenum">
               <a:rPr kumimoji="1" lang="ja-JP" altLang="en-US" smtClean="0"/>
               <a:t>‹#›</a:t>
             </a:fld>
@@ -2256,7 +2234,7 @@
     </p:spTree>
     <p:extLst>
       <p:ext uri="{BB962C8B-B14F-4D97-AF65-F5344CB8AC3E}">
-        <p14:creationId xmlns:p14="http://schemas.microsoft.com/office/powerpoint/2010/main" val="1720736997"/>
+        <p14:creationId xmlns:p14="http://schemas.microsoft.com/office/powerpoint/2010/main" val="4162702297"/>
       </p:ext>
     </p:extLst>
   </p:cSld>
@@ -2499,9 +2477,9 @@
           <a:bodyPr/>
           <a:lstStyle/>
           <a:p>
-            <a:fld id="{C02A663E-AC1D-43EE-8CFC-62C3D789F425}" type="datetimeFigureOut">
-              <a:rPr kumimoji="1" lang="ja-JP" altLang="en-US" smtClean="0"/>
-              <a:t>2016/1/25</a:t>
+            <a:fld id="{0718A8F7-65EE-4286-B036-D87ABE068129}" type="datetimeFigureOut">
+              <a:rPr kumimoji="1" lang="ja-JP" altLang="en-US" smtClean="0"/>
+              <a:t>2016/1/28</a:t>
             </a:fld>
             <a:endParaRPr kumimoji="1" lang="ja-JP" altLang="en-US"/>
           </a:p>
@@ -2541,7 +2519,7 @@
           <a:bodyPr/>
           <a:lstStyle/>
           <a:p>
-            <a:fld id="{1252AB52-96DE-4A1D-81DE-A6380CB4662E}" type="slidenum">
+            <a:fld id="{89AC398B-08EA-40EF-B2ED-6B3D9DC34397}" type="slidenum">
               <a:rPr kumimoji="1" lang="ja-JP" altLang="en-US" smtClean="0"/>
               <a:t>‹#›</a:t>
             </a:fld>
@@ -2552,7 +2530,7 @@
     </p:spTree>
     <p:extLst>
       <p:ext uri="{BB962C8B-B14F-4D97-AF65-F5344CB8AC3E}">
-        <p14:creationId xmlns:p14="http://schemas.microsoft.com/office/powerpoint/2010/main" val="3135233475"/>
+        <p14:creationId xmlns:p14="http://schemas.microsoft.com/office/powerpoint/2010/main" val="54855159"/>
       </p:ext>
     </p:extLst>
   </p:cSld>
@@ -2930,9 +2908,9 @@
           <a:bodyPr/>
           <a:lstStyle/>
           <a:p>
-            <a:fld id="{C02A663E-AC1D-43EE-8CFC-62C3D789F425}" type="datetimeFigureOut">
-              <a:rPr kumimoji="1" lang="ja-JP" altLang="en-US" smtClean="0"/>
-              <a:t>2016/1/25</a:t>
+            <a:fld id="{0718A8F7-65EE-4286-B036-D87ABE068129}" type="datetimeFigureOut">
+              <a:rPr kumimoji="1" lang="ja-JP" altLang="en-US" smtClean="0"/>
+              <a:t>2016/1/28</a:t>
             </a:fld>
             <a:endParaRPr kumimoji="1" lang="ja-JP" altLang="en-US"/>
           </a:p>
@@ -2972,7 +2950,7 @@
           <a:bodyPr/>
           <a:lstStyle/>
           <a:p>
-            <a:fld id="{1252AB52-96DE-4A1D-81DE-A6380CB4662E}" type="slidenum">
+            <a:fld id="{89AC398B-08EA-40EF-B2ED-6B3D9DC34397}" type="slidenum">
               <a:rPr kumimoji="1" lang="ja-JP" altLang="en-US" smtClean="0"/>
               <a:t>‹#›</a:t>
             </a:fld>
@@ -2983,7 +2961,7 @@
     </p:spTree>
     <p:extLst>
       <p:ext uri="{BB962C8B-B14F-4D97-AF65-F5344CB8AC3E}">
-        <p14:creationId xmlns:p14="http://schemas.microsoft.com/office/powerpoint/2010/main" val="1390438841"/>
+        <p14:creationId xmlns:p14="http://schemas.microsoft.com/office/powerpoint/2010/main" val="3358556880"/>
       </p:ext>
     </p:extLst>
   </p:cSld>
@@ -3048,9 +3026,9 @@
           <a:bodyPr/>
           <a:lstStyle/>
           <a:p>
-            <a:fld id="{C02A663E-AC1D-43EE-8CFC-62C3D789F425}" type="datetimeFigureOut">
-              <a:rPr kumimoji="1" lang="ja-JP" altLang="en-US" smtClean="0"/>
-              <a:t>2016/1/25</a:t>
+            <a:fld id="{0718A8F7-65EE-4286-B036-D87ABE068129}" type="datetimeFigureOut">
+              <a:rPr kumimoji="1" lang="ja-JP" altLang="en-US" smtClean="0"/>
+              <a:t>2016/1/28</a:t>
             </a:fld>
             <a:endParaRPr kumimoji="1" lang="ja-JP" altLang="en-US"/>
           </a:p>
@@ -3090,7 +3068,7 @@
           <a:bodyPr/>
           <a:lstStyle/>
           <a:p>
-            <a:fld id="{1252AB52-96DE-4A1D-81DE-A6380CB4662E}" type="slidenum">
+            <a:fld id="{89AC398B-08EA-40EF-B2ED-6B3D9DC34397}" type="slidenum">
               <a:rPr kumimoji="1" lang="ja-JP" altLang="en-US" smtClean="0"/>
               <a:t>‹#›</a:t>
             </a:fld>
@@ -3101,7 +3079,7 @@
     </p:spTree>
     <p:extLst>
       <p:ext uri="{BB962C8B-B14F-4D97-AF65-F5344CB8AC3E}">
-        <p14:creationId xmlns:p14="http://schemas.microsoft.com/office/powerpoint/2010/main" val="2068562464"/>
+        <p14:creationId xmlns:p14="http://schemas.microsoft.com/office/powerpoint/2010/main" val="1761416181"/>
       </p:ext>
     </p:extLst>
   </p:cSld>
@@ -3143,9 +3121,9 @@
           <a:bodyPr/>
           <a:lstStyle/>
           <a:p>
-            <a:fld id="{C02A663E-AC1D-43EE-8CFC-62C3D789F425}" type="datetimeFigureOut">
-              <a:rPr kumimoji="1" lang="ja-JP" altLang="en-US" smtClean="0"/>
-              <a:t>2016/1/25</a:t>
+            <a:fld id="{0718A8F7-65EE-4286-B036-D87ABE068129}" type="datetimeFigureOut">
+              <a:rPr kumimoji="1" lang="ja-JP" altLang="en-US" smtClean="0"/>
+              <a:t>2016/1/28</a:t>
             </a:fld>
             <a:endParaRPr kumimoji="1" lang="ja-JP" altLang="en-US"/>
           </a:p>
@@ -3185,7 +3163,7 @@
           <a:bodyPr/>
           <a:lstStyle/>
           <a:p>
-            <a:fld id="{1252AB52-96DE-4A1D-81DE-A6380CB4662E}" type="slidenum">
+            <a:fld id="{89AC398B-08EA-40EF-B2ED-6B3D9DC34397}" type="slidenum">
               <a:rPr kumimoji="1" lang="ja-JP" altLang="en-US" smtClean="0"/>
               <a:t>‹#›</a:t>
             </a:fld>
@@ -3196,7 +3174,7 @@
     </p:spTree>
     <p:extLst>
       <p:ext uri="{BB962C8B-B14F-4D97-AF65-F5344CB8AC3E}">
-        <p14:creationId xmlns:p14="http://schemas.microsoft.com/office/powerpoint/2010/main" val="3088070273"/>
+        <p14:creationId xmlns:p14="http://schemas.microsoft.com/office/powerpoint/2010/main" val="2498104164"/>
       </p:ext>
     </p:extLst>
   </p:cSld>
@@ -3452,9 +3430,9 @@
           <a:bodyPr/>
           <a:lstStyle/>
           <a:p>
-            <a:fld id="{C02A663E-AC1D-43EE-8CFC-62C3D789F425}" type="datetimeFigureOut">
-              <a:rPr kumimoji="1" lang="ja-JP" altLang="en-US" smtClean="0"/>
-              <a:t>2016/1/25</a:t>
+            <a:fld id="{0718A8F7-65EE-4286-B036-D87ABE068129}" type="datetimeFigureOut">
+              <a:rPr kumimoji="1" lang="ja-JP" altLang="en-US" smtClean="0"/>
+              <a:t>2016/1/28</a:t>
             </a:fld>
             <a:endParaRPr kumimoji="1" lang="ja-JP" altLang="en-US"/>
           </a:p>
@@ -3494,7 +3472,7 @@
           <a:bodyPr/>
           <a:lstStyle/>
           <a:p>
-            <a:fld id="{1252AB52-96DE-4A1D-81DE-A6380CB4662E}" type="slidenum">
+            <a:fld id="{89AC398B-08EA-40EF-B2ED-6B3D9DC34397}" type="slidenum">
               <a:rPr kumimoji="1" lang="ja-JP" altLang="en-US" smtClean="0"/>
               <a:t>‹#›</a:t>
             </a:fld>
@@ -3505,7 +3483,7 @@
     </p:spTree>
     <p:extLst>
       <p:ext uri="{BB962C8B-B14F-4D97-AF65-F5344CB8AC3E}">
-        <p14:creationId xmlns:p14="http://schemas.microsoft.com/office/powerpoint/2010/main" val="673771932"/>
+        <p14:creationId xmlns:p14="http://schemas.microsoft.com/office/powerpoint/2010/main" val="654840363"/>
       </p:ext>
     </p:extLst>
   </p:cSld>
@@ -3705,9 +3683,9 @@
           <a:bodyPr/>
           <a:lstStyle/>
           <a:p>
-            <a:fld id="{C02A663E-AC1D-43EE-8CFC-62C3D789F425}" type="datetimeFigureOut">
-              <a:rPr kumimoji="1" lang="ja-JP" altLang="en-US" smtClean="0"/>
-              <a:t>2016/1/25</a:t>
+            <a:fld id="{0718A8F7-65EE-4286-B036-D87ABE068129}" type="datetimeFigureOut">
+              <a:rPr kumimoji="1" lang="ja-JP" altLang="en-US" smtClean="0"/>
+              <a:t>2016/1/28</a:t>
             </a:fld>
             <a:endParaRPr kumimoji="1" lang="ja-JP" altLang="en-US"/>
           </a:p>
@@ -3747,7 +3725,7 @@
           <a:bodyPr/>
           <a:lstStyle/>
           <a:p>
-            <a:fld id="{1252AB52-96DE-4A1D-81DE-A6380CB4662E}" type="slidenum">
+            <a:fld id="{89AC398B-08EA-40EF-B2ED-6B3D9DC34397}" type="slidenum">
               <a:rPr kumimoji="1" lang="ja-JP" altLang="en-US" smtClean="0"/>
               <a:t>‹#›</a:t>
             </a:fld>
@@ -3758,7 +3736,7 @@
     </p:spTree>
     <p:extLst>
       <p:ext uri="{BB962C8B-B14F-4D97-AF65-F5344CB8AC3E}">
-        <p14:creationId xmlns:p14="http://schemas.microsoft.com/office/powerpoint/2010/main" val="1277834374"/>
+        <p14:creationId xmlns:p14="http://schemas.microsoft.com/office/powerpoint/2010/main" val="3299157579"/>
       </p:ext>
     </p:extLst>
   </p:cSld>
@@ -3950,9 +3928,9 @@
             </a:lvl1pPr>
           </a:lstStyle>
           <a:p>
-            <a:fld id="{C02A663E-AC1D-43EE-8CFC-62C3D789F425}" type="datetimeFigureOut">
-              <a:rPr kumimoji="1" lang="ja-JP" altLang="en-US" smtClean="0"/>
-              <a:t>2016/1/25</a:t>
+            <a:fld id="{0718A8F7-65EE-4286-B036-D87ABE068129}" type="datetimeFigureOut">
+              <a:rPr kumimoji="1" lang="ja-JP" altLang="en-US" smtClean="0"/>
+              <a:t>2016/1/28</a:t>
             </a:fld>
             <a:endParaRPr kumimoji="1" lang="ja-JP" altLang="en-US"/>
           </a:p>
@@ -4028,7 +4006,7 @@
             </a:lvl1pPr>
           </a:lstStyle>
           <a:p>
-            <a:fld id="{1252AB52-96DE-4A1D-81DE-A6380CB4662E}" type="slidenum">
+            <a:fld id="{89AC398B-08EA-40EF-B2ED-6B3D9DC34397}" type="slidenum">
               <a:rPr kumimoji="1" lang="ja-JP" altLang="en-US" smtClean="0"/>
               <a:t>‹#›</a:t>
             </a:fld>
@@ -4039,7 +4017,7 @@
     </p:spTree>
     <p:extLst>
       <p:ext uri="{BB962C8B-B14F-4D97-AF65-F5344CB8AC3E}">
-        <p14:creationId xmlns:p14="http://schemas.microsoft.com/office/powerpoint/2010/main" val="2344637259"/>
+        <p14:creationId xmlns:p14="http://schemas.microsoft.com/office/powerpoint/2010/main" val="888752275"/>
       </p:ext>
     </p:extLst>
   </p:cSld>
@@ -4366,7 +4344,7 @@
           <p:nvPr>
             <p:extLst>
               <p:ext uri="{D42A27DB-BD31-4B8C-83A1-F6EECF244321}">
-                <p14:modId xmlns:p14="http://schemas.microsoft.com/office/powerpoint/2010/main" val="3417993738"/>
+                <p14:modId xmlns:p14="http://schemas.microsoft.com/office/powerpoint/2010/main" val="1244906989"/>
               </p:ext>
             </p:extLst>
           </p:nvPr>
@@ -4384,7 +4362,7 @@
     </p:spTree>
     <p:extLst>
       <p:ext uri="{BB962C8B-B14F-4D97-AF65-F5344CB8AC3E}">
-        <p14:creationId xmlns:p14="http://schemas.microsoft.com/office/powerpoint/2010/main" val="1709921302"/>
+        <p14:creationId xmlns:p14="http://schemas.microsoft.com/office/powerpoint/2010/main" val="3590418951"/>
       </p:ext>
     </p:extLst>
   </p:cSld>

--- a/卒業論文梗概/Document/Abstract_Comparison.pptx
+++ b/卒業論文梗概/Document/Abstract_Comparison.pptx
@@ -104,6 +104,11 @@
       </a:defRPr>
     </a:lvl9pPr>
   </p:defaultTextStyle>
+  <p:extLst>
+    <p:ext uri="{EFAFB233-063F-42B5-8137-9DF3F51BA10A}">
+      <p15:sldGuideLst xmlns:p15="http://schemas.microsoft.com/office/powerpoint/2012/main"/>
+    </p:ext>
+  </p:extLst>
 </p:presentation>
 </file>
 
@@ -345,11 +350,11 @@
         </c:dLbls>
         <c:gapWidth val="219"/>
         <c:overlap val="-27"/>
-        <c:axId val="-1548975888"/>
-        <c:axId val="-1425448016"/>
+        <c:axId val="-1805390784"/>
+        <c:axId val="-1805386432"/>
       </c:barChart>
       <c:catAx>
-        <c:axId val="-1548975888"/>
+        <c:axId val="-1805390784"/>
         <c:scaling>
           <c:orientation val="minMax"/>
         </c:scaling>
@@ -448,7 +453,7 @@
             <a:endParaRPr lang="ja-JP"/>
           </a:p>
         </c:txPr>
-        <c:crossAx val="-1425448016"/>
+        <c:crossAx val="-1805386432"/>
         <c:crosses val="autoZero"/>
         <c:auto val="1"/>
         <c:lblAlgn val="ctr"/>
@@ -456,7 +461,7 @@
         <c:noMultiLvlLbl val="0"/>
       </c:catAx>
       <c:valAx>
-        <c:axId val="-1425448016"/>
+        <c:axId val="-1805386432"/>
         <c:scaling>
           <c:orientation val="minMax"/>
         </c:scaling>
@@ -576,7 +581,7 @@
             <a:endParaRPr lang="ja-JP"/>
           </a:p>
         </c:txPr>
-        <c:crossAx val="-1548975888"/>
+        <c:crossAx val="-1805390784"/>
         <c:crosses val="autoZero"/>
         <c:crossBetween val="between"/>
       </c:valAx>
@@ -644,6 +649,7 @@
   <c:externalData r:id="rId3">
     <c:autoUpdate val="0"/>
   </c:externalData>
+  <c:userShapes r:id="rId4"/>
 </c:chartSpace>
 </file>
 
@@ -1190,6 +1196,62 @@
 </cs:chartStyle>
 </file>
 
+<file path=ppt/drawings/drawing1.xml><?xml version="1.0" encoding="utf-8"?>
+<c:userShapes xmlns:c="http://schemas.openxmlformats.org/drawingml/2006/chart">
+  <cdr:relSizeAnchor xmlns:cdr="http://schemas.openxmlformats.org/drawingml/2006/chartDrawing">
+    <cdr:from>
+      <cdr:x>0.1209</cdr:x>
+      <cdr:y>0.75423</cdr:y>
+    </cdr:from>
+    <cdr:to>
+      <cdr:x>0.98731</cdr:x>
+      <cdr:y>0.75423</cdr:y>
+    </cdr:to>
+    <cdr:cxnSp macro="">
+      <cdr:nvCxnSpPr>
+        <cdr:cNvPr id="3" name="直線コネクタ 2"/>
+        <cdr:cNvCxnSpPr/>
+      </cdr:nvCxnSpPr>
+      <cdr:spPr>
+        <a:xfrm xmlns:a="http://schemas.openxmlformats.org/drawingml/2006/main">
+          <a:off x="1473958" y="5172501"/>
+          <a:ext cx="10563367" cy="0"/>
+        </a:xfrm>
+        <a:prstGeom xmlns:a="http://schemas.openxmlformats.org/drawingml/2006/main" prst="line">
+          <a:avLst/>
+        </a:prstGeom>
+        <a:ln xmlns:a="http://schemas.openxmlformats.org/drawingml/2006/main">
+          <a:solidFill>
+            <a:schemeClr val="tx1"/>
+          </a:solidFill>
+        </a:ln>
+        <a:effectLst xmlns:a="http://schemas.openxmlformats.org/drawingml/2006/main">
+          <a:outerShdw blurRad="50800" dist="38100" dir="2700000" algn="tl" rotWithShape="0">
+            <a:prstClr val="black">
+              <a:alpha val="40000"/>
+            </a:prstClr>
+          </a:outerShdw>
+        </a:effectLst>
+      </cdr:spPr>
+      <cdr:style>
+        <a:lnRef xmlns:a="http://schemas.openxmlformats.org/drawingml/2006/main" idx="1">
+          <a:schemeClr val="dk1"/>
+        </a:lnRef>
+        <a:fillRef xmlns:a="http://schemas.openxmlformats.org/drawingml/2006/main" idx="0">
+          <a:schemeClr val="dk1"/>
+        </a:fillRef>
+        <a:effectRef xmlns:a="http://schemas.openxmlformats.org/drawingml/2006/main" idx="0">
+          <a:schemeClr val="dk1"/>
+        </a:effectRef>
+        <a:fontRef xmlns:a="http://schemas.openxmlformats.org/drawingml/2006/main" idx="minor">
+          <a:schemeClr val="tx1"/>
+        </a:fontRef>
+      </cdr:style>
+    </cdr:cxnSp>
+  </cdr:relSizeAnchor>
+</c:userShapes>
+</file>
+
 <file path=ppt/slideLayouts/slideLayout1.xml><?xml version="1.0" encoding="utf-8"?>
 <p:sldLayout xmlns:a="http://schemas.openxmlformats.org/drawingml/2006/main" xmlns:r="http://schemas.openxmlformats.org/officeDocument/2006/relationships" xmlns:p="http://schemas.openxmlformats.org/presentationml/2006/main" type="title" preserve="1">
   <p:cSld name="タイトル スライド">
@@ -1321,7 +1383,7 @@
           <a:p>
             <a:fld id="{0718A8F7-65EE-4286-B036-D87ABE068129}" type="datetimeFigureOut">
               <a:rPr kumimoji="1" lang="ja-JP" altLang="en-US" smtClean="0"/>
-              <a:t>2016/1/28</a:t>
+              <a:t>2016/2/3</a:t>
             </a:fld>
             <a:endParaRPr kumimoji="1" lang="ja-JP" altLang="en-US"/>
           </a:p>
@@ -1523,7 +1585,7 @@
           <a:p>
             <a:fld id="{0718A8F7-65EE-4286-B036-D87ABE068129}" type="datetimeFigureOut">
               <a:rPr kumimoji="1" lang="ja-JP" altLang="en-US" smtClean="0"/>
-              <a:t>2016/1/28</a:t>
+              <a:t>2016/2/3</a:t>
             </a:fld>
             <a:endParaRPr kumimoji="1" lang="ja-JP" altLang="en-US"/>
           </a:p>
@@ -1735,7 +1797,7 @@
           <a:p>
             <a:fld id="{0718A8F7-65EE-4286-B036-D87ABE068129}" type="datetimeFigureOut">
               <a:rPr kumimoji="1" lang="ja-JP" altLang="en-US" smtClean="0"/>
-              <a:t>2016/1/28</a:t>
+              <a:t>2016/2/3</a:t>
             </a:fld>
             <a:endParaRPr kumimoji="1" lang="ja-JP" altLang="en-US"/>
           </a:p>
@@ -1937,7 +1999,7 @@
           <a:p>
             <a:fld id="{0718A8F7-65EE-4286-B036-D87ABE068129}" type="datetimeFigureOut">
               <a:rPr kumimoji="1" lang="ja-JP" altLang="en-US" smtClean="0"/>
-              <a:t>2016/1/28</a:t>
+              <a:t>2016/2/3</a:t>
             </a:fld>
             <a:endParaRPr kumimoji="1" lang="ja-JP" altLang="en-US"/>
           </a:p>
@@ -2183,7 +2245,7 @@
           <a:p>
             <a:fld id="{0718A8F7-65EE-4286-B036-D87ABE068129}" type="datetimeFigureOut">
               <a:rPr kumimoji="1" lang="ja-JP" altLang="en-US" smtClean="0"/>
-              <a:t>2016/1/28</a:t>
+              <a:t>2016/2/3</a:t>
             </a:fld>
             <a:endParaRPr kumimoji="1" lang="ja-JP" altLang="en-US"/>
           </a:p>
@@ -2479,7 +2541,7 @@
           <a:p>
             <a:fld id="{0718A8F7-65EE-4286-B036-D87ABE068129}" type="datetimeFigureOut">
               <a:rPr kumimoji="1" lang="ja-JP" altLang="en-US" smtClean="0"/>
-              <a:t>2016/1/28</a:t>
+              <a:t>2016/2/3</a:t>
             </a:fld>
             <a:endParaRPr kumimoji="1" lang="ja-JP" altLang="en-US"/>
           </a:p>
@@ -2910,7 +2972,7 @@
           <a:p>
             <a:fld id="{0718A8F7-65EE-4286-B036-D87ABE068129}" type="datetimeFigureOut">
               <a:rPr kumimoji="1" lang="ja-JP" altLang="en-US" smtClean="0"/>
-              <a:t>2016/1/28</a:t>
+              <a:t>2016/2/3</a:t>
             </a:fld>
             <a:endParaRPr kumimoji="1" lang="ja-JP" altLang="en-US"/>
           </a:p>
@@ -3028,7 +3090,7 @@
           <a:p>
             <a:fld id="{0718A8F7-65EE-4286-B036-D87ABE068129}" type="datetimeFigureOut">
               <a:rPr kumimoji="1" lang="ja-JP" altLang="en-US" smtClean="0"/>
-              <a:t>2016/1/28</a:t>
+              <a:t>2016/2/3</a:t>
             </a:fld>
             <a:endParaRPr kumimoji="1" lang="ja-JP" altLang="en-US"/>
           </a:p>
@@ -3123,7 +3185,7 @@
           <a:p>
             <a:fld id="{0718A8F7-65EE-4286-B036-D87ABE068129}" type="datetimeFigureOut">
               <a:rPr kumimoji="1" lang="ja-JP" altLang="en-US" smtClean="0"/>
-              <a:t>2016/1/28</a:t>
+              <a:t>2016/2/3</a:t>
             </a:fld>
             <a:endParaRPr kumimoji="1" lang="ja-JP" altLang="en-US"/>
           </a:p>
@@ -3432,7 +3494,7 @@
           <a:p>
             <a:fld id="{0718A8F7-65EE-4286-B036-D87ABE068129}" type="datetimeFigureOut">
               <a:rPr kumimoji="1" lang="ja-JP" altLang="en-US" smtClean="0"/>
-              <a:t>2016/1/28</a:t>
+              <a:t>2016/2/3</a:t>
             </a:fld>
             <a:endParaRPr kumimoji="1" lang="ja-JP" altLang="en-US"/>
           </a:p>
@@ -3685,7 +3747,7 @@
           <a:p>
             <a:fld id="{0718A8F7-65EE-4286-B036-D87ABE068129}" type="datetimeFigureOut">
               <a:rPr kumimoji="1" lang="ja-JP" altLang="en-US" smtClean="0"/>
-              <a:t>2016/1/28</a:t>
+              <a:t>2016/2/3</a:t>
             </a:fld>
             <a:endParaRPr kumimoji="1" lang="ja-JP" altLang="en-US"/>
           </a:p>
@@ -3930,7 +3992,7 @@
           <a:p>
             <a:fld id="{0718A8F7-65EE-4286-B036-D87ABE068129}" type="datetimeFigureOut">
               <a:rPr kumimoji="1" lang="ja-JP" altLang="en-US" smtClean="0"/>
-              <a:t>2016/1/28</a:t>
+              <a:t>2016/2/3</a:t>
             </a:fld>
             <a:endParaRPr kumimoji="1" lang="ja-JP" altLang="en-US"/>
           </a:p>
@@ -4344,7 +4406,7 @@
           <p:nvPr>
             <p:extLst>
               <p:ext uri="{D42A27DB-BD31-4B8C-83A1-F6EECF244321}">
-                <p14:modId xmlns:p14="http://schemas.microsoft.com/office/powerpoint/2010/main" val="1244906989"/>
+                <p14:modId xmlns:p14="http://schemas.microsoft.com/office/powerpoint/2010/main" val="740388602"/>
               </p:ext>
             </p:extLst>
           </p:nvPr>
